--- a/SRM-NIRS-EEG Update 6-14-2024.pptx
+++ b/SRM-NIRS-EEG Update 6-14-2024.pptx
@@ -334,7 +334,7 @@
           <a:p>
             <a:fld id="{2BF372BA-971C-4A5E-AA1C-F0E1B6AF3044}" type="datetimeFigureOut">
               <a:rPr lang="en-US" smtClean="0"/>
-              <a:t>6/10/2024</a:t>
+              <a:t>6/13/2024</a:t>
             </a:fld>
             <a:endParaRPr lang="en-US"/>
           </a:p>
@@ -916,7 +916,7 @@
           <a:p>
             <a:fld id="{AA28AD0C-0D3C-4715-836C-F1E5BCF2BB14}" type="datetimeFigureOut">
               <a:rPr lang="en-US" smtClean="0"/>
-              <a:t>6/10/2024</a:t>
+              <a:t>6/13/2024</a:t>
             </a:fld>
             <a:endParaRPr lang="en-US"/>
           </a:p>
@@ -1114,7 +1114,7 @@
           <a:p>
             <a:fld id="{AA28AD0C-0D3C-4715-836C-F1E5BCF2BB14}" type="datetimeFigureOut">
               <a:rPr lang="en-US" smtClean="0"/>
-              <a:t>6/10/2024</a:t>
+              <a:t>6/13/2024</a:t>
             </a:fld>
             <a:endParaRPr lang="en-US"/>
           </a:p>
@@ -1322,7 +1322,7 @@
           <a:p>
             <a:fld id="{AA28AD0C-0D3C-4715-836C-F1E5BCF2BB14}" type="datetimeFigureOut">
               <a:rPr lang="en-US" smtClean="0"/>
-              <a:t>6/10/2024</a:t>
+              <a:t>6/13/2024</a:t>
             </a:fld>
             <a:endParaRPr lang="en-US"/>
           </a:p>
@@ -1520,7 +1520,7 @@
           <a:p>
             <a:fld id="{AA28AD0C-0D3C-4715-836C-F1E5BCF2BB14}" type="datetimeFigureOut">
               <a:rPr lang="en-US" smtClean="0"/>
-              <a:t>6/10/2024</a:t>
+              <a:t>6/13/2024</a:t>
             </a:fld>
             <a:endParaRPr lang="en-US"/>
           </a:p>
@@ -1795,7 +1795,7 @@
           <a:p>
             <a:fld id="{AA28AD0C-0D3C-4715-836C-F1E5BCF2BB14}" type="datetimeFigureOut">
               <a:rPr lang="en-US" smtClean="0"/>
-              <a:t>6/10/2024</a:t>
+              <a:t>6/13/2024</a:t>
             </a:fld>
             <a:endParaRPr lang="en-US"/>
           </a:p>
@@ -2060,7 +2060,7 @@
           <a:p>
             <a:fld id="{AA28AD0C-0D3C-4715-836C-F1E5BCF2BB14}" type="datetimeFigureOut">
               <a:rPr lang="en-US" smtClean="0"/>
-              <a:t>6/10/2024</a:t>
+              <a:t>6/13/2024</a:t>
             </a:fld>
             <a:endParaRPr lang="en-US"/>
           </a:p>
@@ -2472,7 +2472,7 @@
           <a:p>
             <a:fld id="{AA28AD0C-0D3C-4715-836C-F1E5BCF2BB14}" type="datetimeFigureOut">
               <a:rPr lang="en-US" smtClean="0"/>
-              <a:t>6/10/2024</a:t>
+              <a:t>6/13/2024</a:t>
             </a:fld>
             <a:endParaRPr lang="en-US"/>
           </a:p>
@@ -2613,7 +2613,7 @@
           <a:p>
             <a:fld id="{AA28AD0C-0D3C-4715-836C-F1E5BCF2BB14}" type="datetimeFigureOut">
               <a:rPr lang="en-US" smtClean="0"/>
-              <a:t>6/10/2024</a:t>
+              <a:t>6/13/2024</a:t>
             </a:fld>
             <a:endParaRPr lang="en-US"/>
           </a:p>
@@ -2726,7 +2726,7 @@
           <a:p>
             <a:fld id="{AA28AD0C-0D3C-4715-836C-F1E5BCF2BB14}" type="datetimeFigureOut">
               <a:rPr lang="en-US" smtClean="0"/>
-              <a:t>6/10/2024</a:t>
+              <a:t>6/13/2024</a:t>
             </a:fld>
             <a:endParaRPr lang="en-US"/>
           </a:p>
@@ -3037,7 +3037,7 @@
           <a:p>
             <a:fld id="{AA28AD0C-0D3C-4715-836C-F1E5BCF2BB14}" type="datetimeFigureOut">
               <a:rPr lang="en-US" smtClean="0"/>
-              <a:t>6/10/2024</a:t>
+              <a:t>6/13/2024</a:t>
             </a:fld>
             <a:endParaRPr lang="en-US"/>
           </a:p>
@@ -3325,7 +3325,7 @@
           <a:p>
             <a:fld id="{AA28AD0C-0D3C-4715-836C-F1E5BCF2BB14}" type="datetimeFigureOut">
               <a:rPr lang="en-US" smtClean="0"/>
-              <a:t>6/10/2024</a:t>
+              <a:t>6/13/2024</a:t>
             </a:fld>
             <a:endParaRPr lang="en-US"/>
           </a:p>
@@ -3566,7 +3566,7 @@
           <a:p>
             <a:fld id="{AA28AD0C-0D3C-4715-836C-F1E5BCF2BB14}" type="datetimeFigureOut">
               <a:rPr lang="en-US" smtClean="0"/>
-              <a:t>6/10/2024</a:t>
+              <a:t>6/13/2024</a:t>
             </a:fld>
             <a:endParaRPr lang="en-US"/>
           </a:p>
@@ -5911,10 +5911,10 @@
       </p:sp>
       <p:pic>
         <p:nvPicPr>
-          <p:cNvPr id="4" name="Picture 3" descr="A group of graphs showing different types of graphs&#10;&#10;Description automatically generated with medium confidence">
-            <a:extLst>
-              <a:ext uri="{FF2B5EF4-FFF2-40B4-BE49-F238E27FC236}">
-                <a16:creationId xmlns:a16="http://schemas.microsoft.com/office/drawing/2014/main" id="{C9C0ABDB-2075-B9B9-95F7-57FEB965FE96}"/>
+          <p:cNvPr id="5" name="Picture 4" descr="A group of graphs showing different types of lines&#10;&#10;Description automatically generated with medium confidence">
+            <a:extLst>
+              <a:ext uri="{FF2B5EF4-FFF2-40B4-BE49-F238E27FC236}">
+                <a16:creationId xmlns:a16="http://schemas.microsoft.com/office/drawing/2014/main" id="{572848D8-B4CB-90CE-5013-E098CC8BB1E1}"/>
               </a:ext>
             </a:extLst>
           </p:cNvPr>
@@ -5937,7 +5937,7 @@
         </p:blipFill>
         <p:spPr>
           <a:xfrm>
-            <a:off x="0" y="563880"/>
+            <a:off x="0" y="655406"/>
             <a:ext cx="12192000" cy="6096000"/>
           </a:xfrm>
           <a:prstGeom prst="rect">
@@ -6012,10 +6012,10 @@
       </p:sp>
       <p:pic>
         <p:nvPicPr>
-          <p:cNvPr id="3" name="Picture 2" descr="A group of graphs showing different types of graphs&#10;&#10;Description automatically generated with medium confidence">
-            <a:extLst>
-              <a:ext uri="{FF2B5EF4-FFF2-40B4-BE49-F238E27FC236}">
-                <a16:creationId xmlns:a16="http://schemas.microsoft.com/office/drawing/2014/main" id="{D037C5B2-310A-E7BA-3A4F-3908FBDE7564}"/>
+          <p:cNvPr id="5" name="Picture 4" descr="A group of red and blue lines&#10;&#10;Description automatically generated">
+            <a:extLst>
+              <a:ext uri="{FF2B5EF4-FFF2-40B4-BE49-F238E27FC236}">
+                <a16:creationId xmlns:a16="http://schemas.microsoft.com/office/drawing/2014/main" id="{89B30611-BC99-7AFC-C549-DECBF7546F0E}"/>
               </a:ext>
             </a:extLst>
           </p:cNvPr>

--- a/SRM-NIRS-EEG Update 6-14-2024.pptx
+++ b/SRM-NIRS-EEG Update 6-14-2024.pptx
@@ -334,7 +334,7 @@
           <a:p>
             <a:fld id="{2BF372BA-971C-4A5E-AA1C-F0E1B6AF3044}" type="datetimeFigureOut">
               <a:rPr lang="en-US" smtClean="0"/>
-              <a:t>6/13/2024</a:t>
+              <a:t>6/17/2024</a:t>
             </a:fld>
             <a:endParaRPr lang="en-US"/>
           </a:p>
@@ -916,7 +916,7 @@
           <a:p>
             <a:fld id="{AA28AD0C-0D3C-4715-836C-F1E5BCF2BB14}" type="datetimeFigureOut">
               <a:rPr lang="en-US" smtClean="0"/>
-              <a:t>6/13/2024</a:t>
+              <a:t>6/17/2024</a:t>
             </a:fld>
             <a:endParaRPr lang="en-US"/>
           </a:p>
@@ -1114,7 +1114,7 @@
           <a:p>
             <a:fld id="{AA28AD0C-0D3C-4715-836C-F1E5BCF2BB14}" type="datetimeFigureOut">
               <a:rPr lang="en-US" smtClean="0"/>
-              <a:t>6/13/2024</a:t>
+              <a:t>6/17/2024</a:t>
             </a:fld>
             <a:endParaRPr lang="en-US"/>
           </a:p>
@@ -1322,7 +1322,7 @@
           <a:p>
             <a:fld id="{AA28AD0C-0D3C-4715-836C-F1E5BCF2BB14}" type="datetimeFigureOut">
               <a:rPr lang="en-US" smtClean="0"/>
-              <a:t>6/13/2024</a:t>
+              <a:t>6/17/2024</a:t>
             </a:fld>
             <a:endParaRPr lang="en-US"/>
           </a:p>
@@ -1520,7 +1520,7 @@
           <a:p>
             <a:fld id="{AA28AD0C-0D3C-4715-836C-F1E5BCF2BB14}" type="datetimeFigureOut">
               <a:rPr lang="en-US" smtClean="0"/>
-              <a:t>6/13/2024</a:t>
+              <a:t>6/17/2024</a:t>
             </a:fld>
             <a:endParaRPr lang="en-US"/>
           </a:p>
@@ -1795,7 +1795,7 @@
           <a:p>
             <a:fld id="{AA28AD0C-0D3C-4715-836C-F1E5BCF2BB14}" type="datetimeFigureOut">
               <a:rPr lang="en-US" smtClean="0"/>
-              <a:t>6/13/2024</a:t>
+              <a:t>6/17/2024</a:t>
             </a:fld>
             <a:endParaRPr lang="en-US"/>
           </a:p>
@@ -2060,7 +2060,7 @@
           <a:p>
             <a:fld id="{AA28AD0C-0D3C-4715-836C-F1E5BCF2BB14}" type="datetimeFigureOut">
               <a:rPr lang="en-US" smtClean="0"/>
-              <a:t>6/13/2024</a:t>
+              <a:t>6/17/2024</a:t>
             </a:fld>
             <a:endParaRPr lang="en-US"/>
           </a:p>
@@ -2472,7 +2472,7 @@
           <a:p>
             <a:fld id="{AA28AD0C-0D3C-4715-836C-F1E5BCF2BB14}" type="datetimeFigureOut">
               <a:rPr lang="en-US" smtClean="0"/>
-              <a:t>6/13/2024</a:t>
+              <a:t>6/17/2024</a:t>
             </a:fld>
             <a:endParaRPr lang="en-US"/>
           </a:p>
@@ -2613,7 +2613,7 @@
           <a:p>
             <a:fld id="{AA28AD0C-0D3C-4715-836C-F1E5BCF2BB14}" type="datetimeFigureOut">
               <a:rPr lang="en-US" smtClean="0"/>
-              <a:t>6/13/2024</a:t>
+              <a:t>6/17/2024</a:t>
             </a:fld>
             <a:endParaRPr lang="en-US"/>
           </a:p>
@@ -2726,7 +2726,7 @@
           <a:p>
             <a:fld id="{AA28AD0C-0D3C-4715-836C-F1E5BCF2BB14}" type="datetimeFigureOut">
               <a:rPr lang="en-US" smtClean="0"/>
-              <a:t>6/13/2024</a:t>
+              <a:t>6/17/2024</a:t>
             </a:fld>
             <a:endParaRPr lang="en-US"/>
           </a:p>
@@ -3037,7 +3037,7 @@
           <a:p>
             <a:fld id="{AA28AD0C-0D3C-4715-836C-F1E5BCF2BB14}" type="datetimeFigureOut">
               <a:rPr lang="en-US" smtClean="0"/>
-              <a:t>6/13/2024</a:t>
+              <a:t>6/17/2024</a:t>
             </a:fld>
             <a:endParaRPr lang="en-US"/>
           </a:p>
@@ -3325,7 +3325,7 @@
           <a:p>
             <a:fld id="{AA28AD0C-0D3C-4715-836C-F1E5BCF2BB14}" type="datetimeFigureOut">
               <a:rPr lang="en-US" smtClean="0"/>
-              <a:t>6/13/2024</a:t>
+              <a:t>6/17/2024</a:t>
             </a:fld>
             <a:endParaRPr lang="en-US"/>
           </a:p>
@@ -3566,7 +3566,7 @@
           <a:p>
             <a:fld id="{AA28AD0C-0D3C-4715-836C-F1E5BCF2BB14}" type="datetimeFigureOut">
               <a:rPr lang="en-US" smtClean="0"/>
-              <a:t>6/13/2024</a:t>
+              <a:t>6/17/2024</a:t>
             </a:fld>
             <a:endParaRPr lang="en-US"/>
           </a:p>
